--- a/ppt 16-9/0744.用信心与你面对.pptx
+++ b/ppt 16-9/0744.用信心与你面对.pptx
@@ -5,7 +5,7 @@
     <p:sldMasterId id="2147483648" r:id="rId1"/>
   </p:sldMasterIdLst>
   <p:sldIdLst>
-    <p:sldId id="1987" r:id="rId2"/>
+    <p:sldId id="1989" r:id="rId2"/>
   </p:sldIdLst>
   <p:sldSz cx="12192000" cy="6858000"/>
   <p:notesSz cx="6858000" cy="9144000"/>
@@ -129,7 +129,7 @@
           <p:cNvPr id="2" name="标题 1">
             <a:extLst>
               <a:ext uri="{FF2B5EF4-FFF2-40B4-BE49-F238E27FC236}">
-                <a16:creationId xmlns:a16="http://schemas.microsoft.com/office/drawing/2014/main" id="{F53B4722-0249-8EFB-75F4-50486934CCCA}"/>
+                <a16:creationId xmlns:a16="http://schemas.microsoft.com/office/drawing/2014/main" id="{2B49BCA5-4E9D-D9C4-813D-C63977A6E51D}"/>
               </a:ext>
             </a:extLst>
           </p:cNvPr>
@@ -166,7 +166,7 @@
           <p:cNvPr id="3" name="副标题 2">
             <a:extLst>
               <a:ext uri="{FF2B5EF4-FFF2-40B4-BE49-F238E27FC236}">
-                <a16:creationId xmlns:a16="http://schemas.microsoft.com/office/drawing/2014/main" id="{C4A667B1-7F87-7B53-5558-F96AB8A51253}"/>
+                <a16:creationId xmlns:a16="http://schemas.microsoft.com/office/drawing/2014/main" id="{BC6365E5-49D7-EE83-74C5-E6812CA802E9}"/>
               </a:ext>
             </a:extLst>
           </p:cNvPr>
@@ -236,7 +236,7 @@
           <p:cNvPr id="4" name="日期占位符 3">
             <a:extLst>
               <a:ext uri="{FF2B5EF4-FFF2-40B4-BE49-F238E27FC236}">
-                <a16:creationId xmlns:a16="http://schemas.microsoft.com/office/drawing/2014/main" id="{603869FC-D758-631A-BBB5-453F4D3500F1}"/>
+                <a16:creationId xmlns:a16="http://schemas.microsoft.com/office/drawing/2014/main" id="{CB2E785C-46AC-DF04-1243-02B568A9A6B2}"/>
               </a:ext>
             </a:extLst>
           </p:cNvPr>
@@ -252,7 +252,7 @@
           <a:bodyPr/>
           <a:lstStyle/>
           <a:p>
-            <a:fld id="{C280C7B8-B12C-4A35-9BBB-DB3F6E1F7662}" type="datetimeFigureOut">
+            <a:fld id="{F4309118-24A6-45C2-8BB5-1FFA3D8ABEFC}" type="datetimeFigureOut">
               <a:rPr lang="zh-CN" altLang="en-US" smtClean="0"/>
               <a:t>2024/3/10</a:t>
             </a:fld>
@@ -265,7 +265,7 @@
           <p:cNvPr id="5" name="页脚占位符 4">
             <a:extLst>
               <a:ext uri="{FF2B5EF4-FFF2-40B4-BE49-F238E27FC236}">
-                <a16:creationId xmlns:a16="http://schemas.microsoft.com/office/drawing/2014/main" id="{609FCD37-74E8-3BA4-C75C-DB61C1F3C863}"/>
+                <a16:creationId xmlns:a16="http://schemas.microsoft.com/office/drawing/2014/main" id="{ABB0B9C9-29AB-B30F-CA83-CFD92A1C58EB}"/>
               </a:ext>
             </a:extLst>
           </p:cNvPr>
@@ -290,7 +290,7 @@
           <p:cNvPr id="6" name="灯片编号占位符 5">
             <a:extLst>
               <a:ext uri="{FF2B5EF4-FFF2-40B4-BE49-F238E27FC236}">
-                <a16:creationId xmlns:a16="http://schemas.microsoft.com/office/drawing/2014/main" id="{263DA6E7-2ADE-8CAC-857A-2D18163ECD1C}"/>
+                <a16:creationId xmlns:a16="http://schemas.microsoft.com/office/drawing/2014/main" id="{03F9B9CF-F16A-0E08-14F0-06FDB82B16EB}"/>
               </a:ext>
             </a:extLst>
           </p:cNvPr>
@@ -306,7 +306,7 @@
           <a:bodyPr/>
           <a:lstStyle/>
           <a:p>
-            <a:fld id="{DBF9F889-BCF9-4AEA-B91F-64EFFD2232BB}" type="slidenum">
+            <a:fld id="{B957BF52-E4AC-4E9E-A73E-5F95D5D38495}" type="slidenum">
               <a:rPr lang="zh-CN" altLang="en-US" smtClean="0"/>
               <a:t>‹#›</a:t>
             </a:fld>
@@ -317,7 +317,7 @@
     </p:spTree>
     <p:extLst>
       <p:ext uri="{BB962C8B-B14F-4D97-AF65-F5344CB8AC3E}">
-        <p14:creationId xmlns:p14="http://schemas.microsoft.com/office/powerpoint/2010/main" val="1055308584"/>
+        <p14:creationId xmlns:p14="http://schemas.microsoft.com/office/powerpoint/2010/main" val="230980789"/>
       </p:ext>
     </p:extLst>
   </p:cSld>
@@ -349,7 +349,7 @@
           <p:cNvPr id="2" name="标题 1">
             <a:extLst>
               <a:ext uri="{FF2B5EF4-FFF2-40B4-BE49-F238E27FC236}">
-                <a16:creationId xmlns:a16="http://schemas.microsoft.com/office/drawing/2014/main" id="{C4ECD394-F9CB-E189-D395-1B1ABCD8EC82}"/>
+                <a16:creationId xmlns:a16="http://schemas.microsoft.com/office/drawing/2014/main" id="{1283B445-A7E6-954C-E251-7D9547C616E2}"/>
               </a:ext>
             </a:extLst>
           </p:cNvPr>
@@ -377,7 +377,7 @@
           <p:cNvPr id="3" name="竖排文字占位符 2">
             <a:extLst>
               <a:ext uri="{FF2B5EF4-FFF2-40B4-BE49-F238E27FC236}">
-                <a16:creationId xmlns:a16="http://schemas.microsoft.com/office/drawing/2014/main" id="{C1670819-D221-A1D9-8076-712C1EF7D935}"/>
+                <a16:creationId xmlns:a16="http://schemas.microsoft.com/office/drawing/2014/main" id="{C5B68C97-07CD-71A1-1768-26AB2817E6DC}"/>
               </a:ext>
             </a:extLst>
           </p:cNvPr>
@@ -434,7 +434,7 @@
           <p:cNvPr id="4" name="日期占位符 3">
             <a:extLst>
               <a:ext uri="{FF2B5EF4-FFF2-40B4-BE49-F238E27FC236}">
-                <a16:creationId xmlns:a16="http://schemas.microsoft.com/office/drawing/2014/main" id="{1252A75F-473B-7439-642A-1CC22B01572E}"/>
+                <a16:creationId xmlns:a16="http://schemas.microsoft.com/office/drawing/2014/main" id="{0A226C26-23F1-51FE-98C3-56CA5E4F2F12}"/>
               </a:ext>
             </a:extLst>
           </p:cNvPr>
@@ -450,7 +450,7 @@
           <a:bodyPr/>
           <a:lstStyle/>
           <a:p>
-            <a:fld id="{C280C7B8-B12C-4A35-9BBB-DB3F6E1F7662}" type="datetimeFigureOut">
+            <a:fld id="{F4309118-24A6-45C2-8BB5-1FFA3D8ABEFC}" type="datetimeFigureOut">
               <a:rPr lang="zh-CN" altLang="en-US" smtClean="0"/>
               <a:t>2024/3/10</a:t>
             </a:fld>
@@ -463,7 +463,7 @@
           <p:cNvPr id="5" name="页脚占位符 4">
             <a:extLst>
               <a:ext uri="{FF2B5EF4-FFF2-40B4-BE49-F238E27FC236}">
-                <a16:creationId xmlns:a16="http://schemas.microsoft.com/office/drawing/2014/main" id="{896E85E5-CF9C-7F53-60C7-3669A7E138BF}"/>
+                <a16:creationId xmlns:a16="http://schemas.microsoft.com/office/drawing/2014/main" id="{635D0FE5-4A4D-6332-B14B-19E2D39FEBA1}"/>
               </a:ext>
             </a:extLst>
           </p:cNvPr>
@@ -488,7 +488,7 @@
           <p:cNvPr id="6" name="灯片编号占位符 5">
             <a:extLst>
               <a:ext uri="{FF2B5EF4-FFF2-40B4-BE49-F238E27FC236}">
-                <a16:creationId xmlns:a16="http://schemas.microsoft.com/office/drawing/2014/main" id="{D0B9C5F0-7F6F-F100-BE8A-C11EC9BC4F84}"/>
+                <a16:creationId xmlns:a16="http://schemas.microsoft.com/office/drawing/2014/main" id="{53DC6A17-C643-5F81-5503-9213950AEE12}"/>
               </a:ext>
             </a:extLst>
           </p:cNvPr>
@@ -504,7 +504,7 @@
           <a:bodyPr/>
           <a:lstStyle/>
           <a:p>
-            <a:fld id="{DBF9F889-BCF9-4AEA-B91F-64EFFD2232BB}" type="slidenum">
+            <a:fld id="{B957BF52-E4AC-4E9E-A73E-5F95D5D38495}" type="slidenum">
               <a:rPr lang="zh-CN" altLang="en-US" smtClean="0"/>
               <a:t>‹#›</a:t>
             </a:fld>
@@ -515,7 +515,7 @@
     </p:spTree>
     <p:extLst>
       <p:ext uri="{BB962C8B-B14F-4D97-AF65-F5344CB8AC3E}">
-        <p14:creationId xmlns:p14="http://schemas.microsoft.com/office/powerpoint/2010/main" val="1868977313"/>
+        <p14:creationId xmlns:p14="http://schemas.microsoft.com/office/powerpoint/2010/main" val="4229166142"/>
       </p:ext>
     </p:extLst>
   </p:cSld>
@@ -547,7 +547,7 @@
           <p:cNvPr id="2" name="竖排标题 1">
             <a:extLst>
               <a:ext uri="{FF2B5EF4-FFF2-40B4-BE49-F238E27FC236}">
-                <a16:creationId xmlns:a16="http://schemas.microsoft.com/office/drawing/2014/main" id="{454F99FD-9D21-53A5-64B8-3A06D0BE9B42}"/>
+                <a16:creationId xmlns:a16="http://schemas.microsoft.com/office/drawing/2014/main" id="{00F0FFE5-BE94-30C4-D105-628834577E9B}"/>
               </a:ext>
             </a:extLst>
           </p:cNvPr>
@@ -580,7 +580,7 @@
           <p:cNvPr id="3" name="竖排文字占位符 2">
             <a:extLst>
               <a:ext uri="{FF2B5EF4-FFF2-40B4-BE49-F238E27FC236}">
-                <a16:creationId xmlns:a16="http://schemas.microsoft.com/office/drawing/2014/main" id="{B64F1EF8-2DDC-24A3-9339-DCDEA7EEBA64}"/>
+                <a16:creationId xmlns:a16="http://schemas.microsoft.com/office/drawing/2014/main" id="{0032008F-7D3F-289F-63E1-7375E547C11E}"/>
               </a:ext>
             </a:extLst>
           </p:cNvPr>
@@ -642,7 +642,7 @@
           <p:cNvPr id="4" name="日期占位符 3">
             <a:extLst>
               <a:ext uri="{FF2B5EF4-FFF2-40B4-BE49-F238E27FC236}">
-                <a16:creationId xmlns:a16="http://schemas.microsoft.com/office/drawing/2014/main" id="{72D2485B-07B7-4525-1C71-5F37CF4EB8E3}"/>
+                <a16:creationId xmlns:a16="http://schemas.microsoft.com/office/drawing/2014/main" id="{DCB1D947-F305-EBEB-4AD3-331EAAFA2EF3}"/>
               </a:ext>
             </a:extLst>
           </p:cNvPr>
@@ -658,7 +658,7 @@
           <a:bodyPr/>
           <a:lstStyle/>
           <a:p>
-            <a:fld id="{C280C7B8-B12C-4A35-9BBB-DB3F6E1F7662}" type="datetimeFigureOut">
+            <a:fld id="{F4309118-24A6-45C2-8BB5-1FFA3D8ABEFC}" type="datetimeFigureOut">
               <a:rPr lang="zh-CN" altLang="en-US" smtClean="0"/>
               <a:t>2024/3/10</a:t>
             </a:fld>
@@ -671,7 +671,7 @@
           <p:cNvPr id="5" name="页脚占位符 4">
             <a:extLst>
               <a:ext uri="{FF2B5EF4-FFF2-40B4-BE49-F238E27FC236}">
-                <a16:creationId xmlns:a16="http://schemas.microsoft.com/office/drawing/2014/main" id="{90875538-5882-BBA1-C8CE-97B12668C09C}"/>
+                <a16:creationId xmlns:a16="http://schemas.microsoft.com/office/drawing/2014/main" id="{9B5C9595-2093-4EA6-C773-749EE08A5C0B}"/>
               </a:ext>
             </a:extLst>
           </p:cNvPr>
@@ -696,7 +696,7 @@
           <p:cNvPr id="6" name="灯片编号占位符 5">
             <a:extLst>
               <a:ext uri="{FF2B5EF4-FFF2-40B4-BE49-F238E27FC236}">
-                <a16:creationId xmlns:a16="http://schemas.microsoft.com/office/drawing/2014/main" id="{A77A601C-1290-7DC2-CE33-DBCCD2F15170}"/>
+                <a16:creationId xmlns:a16="http://schemas.microsoft.com/office/drawing/2014/main" id="{3AAF1C5D-4A3F-7F50-568E-EADB8A654517}"/>
               </a:ext>
             </a:extLst>
           </p:cNvPr>
@@ -712,7 +712,7 @@
           <a:bodyPr/>
           <a:lstStyle/>
           <a:p>
-            <a:fld id="{DBF9F889-BCF9-4AEA-B91F-64EFFD2232BB}" type="slidenum">
+            <a:fld id="{B957BF52-E4AC-4E9E-A73E-5F95D5D38495}" type="slidenum">
               <a:rPr lang="zh-CN" altLang="en-US" smtClean="0"/>
               <a:t>‹#›</a:t>
             </a:fld>
@@ -723,7 +723,7 @@
     </p:spTree>
     <p:extLst>
       <p:ext uri="{BB962C8B-B14F-4D97-AF65-F5344CB8AC3E}">
-        <p14:creationId xmlns:p14="http://schemas.microsoft.com/office/powerpoint/2010/main" val="1015027516"/>
+        <p14:creationId xmlns:p14="http://schemas.microsoft.com/office/powerpoint/2010/main" val="3358146662"/>
       </p:ext>
     </p:extLst>
   </p:cSld>
@@ -755,7 +755,7 @@
           <p:cNvPr id="2" name="标题 1">
             <a:extLst>
               <a:ext uri="{FF2B5EF4-FFF2-40B4-BE49-F238E27FC236}">
-                <a16:creationId xmlns:a16="http://schemas.microsoft.com/office/drawing/2014/main" id="{60418B95-D1E9-C2B8-54F3-BD3B8D7C42C8}"/>
+                <a16:creationId xmlns:a16="http://schemas.microsoft.com/office/drawing/2014/main" id="{ED7FB41A-53DF-AC38-B206-2F9B306C7ED9}"/>
               </a:ext>
             </a:extLst>
           </p:cNvPr>
@@ -783,7 +783,7 @@
           <p:cNvPr id="3" name="内容占位符 2">
             <a:extLst>
               <a:ext uri="{FF2B5EF4-FFF2-40B4-BE49-F238E27FC236}">
-                <a16:creationId xmlns:a16="http://schemas.microsoft.com/office/drawing/2014/main" id="{08236D86-73FE-BFF6-9359-9CD1D74232D8}"/>
+                <a16:creationId xmlns:a16="http://schemas.microsoft.com/office/drawing/2014/main" id="{D9F5FDB3-6CA4-D6C5-132C-A80FEDE4AF1E}"/>
               </a:ext>
             </a:extLst>
           </p:cNvPr>
@@ -840,7 +840,7 @@
           <p:cNvPr id="4" name="日期占位符 3">
             <a:extLst>
               <a:ext uri="{FF2B5EF4-FFF2-40B4-BE49-F238E27FC236}">
-                <a16:creationId xmlns:a16="http://schemas.microsoft.com/office/drawing/2014/main" id="{E1C1C91C-DC5A-519F-5D93-148FB3837534}"/>
+                <a16:creationId xmlns:a16="http://schemas.microsoft.com/office/drawing/2014/main" id="{2C5231B7-B00F-EEE0-000B-189697BEE3F3}"/>
               </a:ext>
             </a:extLst>
           </p:cNvPr>
@@ -856,7 +856,7 @@
           <a:bodyPr/>
           <a:lstStyle/>
           <a:p>
-            <a:fld id="{C280C7B8-B12C-4A35-9BBB-DB3F6E1F7662}" type="datetimeFigureOut">
+            <a:fld id="{F4309118-24A6-45C2-8BB5-1FFA3D8ABEFC}" type="datetimeFigureOut">
               <a:rPr lang="zh-CN" altLang="en-US" smtClean="0"/>
               <a:t>2024/3/10</a:t>
             </a:fld>
@@ -869,7 +869,7 @@
           <p:cNvPr id="5" name="页脚占位符 4">
             <a:extLst>
               <a:ext uri="{FF2B5EF4-FFF2-40B4-BE49-F238E27FC236}">
-                <a16:creationId xmlns:a16="http://schemas.microsoft.com/office/drawing/2014/main" id="{A58929EA-B94A-CEFA-D4E1-0958F6363817}"/>
+                <a16:creationId xmlns:a16="http://schemas.microsoft.com/office/drawing/2014/main" id="{F520B4B5-844F-8547-998E-0A69329799CB}"/>
               </a:ext>
             </a:extLst>
           </p:cNvPr>
@@ -894,7 +894,7 @@
           <p:cNvPr id="6" name="灯片编号占位符 5">
             <a:extLst>
               <a:ext uri="{FF2B5EF4-FFF2-40B4-BE49-F238E27FC236}">
-                <a16:creationId xmlns:a16="http://schemas.microsoft.com/office/drawing/2014/main" id="{3E106471-F05A-426E-4DDD-E81A1447FA08}"/>
+                <a16:creationId xmlns:a16="http://schemas.microsoft.com/office/drawing/2014/main" id="{4978B162-BB74-460A-66A5-ABE827DA5260}"/>
               </a:ext>
             </a:extLst>
           </p:cNvPr>
@@ -910,7 +910,7 @@
           <a:bodyPr/>
           <a:lstStyle/>
           <a:p>
-            <a:fld id="{DBF9F889-BCF9-4AEA-B91F-64EFFD2232BB}" type="slidenum">
+            <a:fld id="{B957BF52-E4AC-4E9E-A73E-5F95D5D38495}" type="slidenum">
               <a:rPr lang="zh-CN" altLang="en-US" smtClean="0"/>
               <a:t>‹#›</a:t>
             </a:fld>
@@ -921,7 +921,7 @@
     </p:spTree>
     <p:extLst>
       <p:ext uri="{BB962C8B-B14F-4D97-AF65-F5344CB8AC3E}">
-        <p14:creationId xmlns:p14="http://schemas.microsoft.com/office/powerpoint/2010/main" val="4245020001"/>
+        <p14:creationId xmlns:p14="http://schemas.microsoft.com/office/powerpoint/2010/main" val="3401490957"/>
       </p:ext>
     </p:extLst>
   </p:cSld>
@@ -953,7 +953,7 @@
           <p:cNvPr id="2" name="标题 1">
             <a:extLst>
               <a:ext uri="{FF2B5EF4-FFF2-40B4-BE49-F238E27FC236}">
-                <a16:creationId xmlns:a16="http://schemas.microsoft.com/office/drawing/2014/main" id="{B72537E1-211E-5750-E81E-C6840772C618}"/>
+                <a16:creationId xmlns:a16="http://schemas.microsoft.com/office/drawing/2014/main" id="{B9D31257-8110-1EC5-E45E-E7DAFDF3C019}"/>
               </a:ext>
             </a:extLst>
           </p:cNvPr>
@@ -990,7 +990,7 @@
           <p:cNvPr id="3" name="文本占位符 2">
             <a:extLst>
               <a:ext uri="{FF2B5EF4-FFF2-40B4-BE49-F238E27FC236}">
-                <a16:creationId xmlns:a16="http://schemas.microsoft.com/office/drawing/2014/main" id="{7B0BA82B-D93B-3CEB-AEC0-5C1AB41717BF}"/>
+                <a16:creationId xmlns:a16="http://schemas.microsoft.com/office/drawing/2014/main" id="{C71B9E13-AAB7-061C-93A9-8225FD322BA0}"/>
               </a:ext>
             </a:extLst>
           </p:cNvPr>
@@ -1115,7 +1115,7 @@
           <p:cNvPr id="4" name="日期占位符 3">
             <a:extLst>
               <a:ext uri="{FF2B5EF4-FFF2-40B4-BE49-F238E27FC236}">
-                <a16:creationId xmlns:a16="http://schemas.microsoft.com/office/drawing/2014/main" id="{2EEDF11B-04E3-49AC-10EA-F5206316F718}"/>
+                <a16:creationId xmlns:a16="http://schemas.microsoft.com/office/drawing/2014/main" id="{5FD6A429-B31E-2DB4-4354-7A09B6C2079B}"/>
               </a:ext>
             </a:extLst>
           </p:cNvPr>
@@ -1131,7 +1131,7 @@
           <a:bodyPr/>
           <a:lstStyle/>
           <a:p>
-            <a:fld id="{C280C7B8-B12C-4A35-9BBB-DB3F6E1F7662}" type="datetimeFigureOut">
+            <a:fld id="{F4309118-24A6-45C2-8BB5-1FFA3D8ABEFC}" type="datetimeFigureOut">
               <a:rPr lang="zh-CN" altLang="en-US" smtClean="0"/>
               <a:t>2024/3/10</a:t>
             </a:fld>
@@ -1144,7 +1144,7 @@
           <p:cNvPr id="5" name="页脚占位符 4">
             <a:extLst>
               <a:ext uri="{FF2B5EF4-FFF2-40B4-BE49-F238E27FC236}">
-                <a16:creationId xmlns:a16="http://schemas.microsoft.com/office/drawing/2014/main" id="{BFFCFDAC-4452-CC29-14C0-DF44F6B32C4F}"/>
+                <a16:creationId xmlns:a16="http://schemas.microsoft.com/office/drawing/2014/main" id="{A1456141-30F3-7998-605F-52EC13038AB4}"/>
               </a:ext>
             </a:extLst>
           </p:cNvPr>
@@ -1169,7 +1169,7 @@
           <p:cNvPr id="6" name="灯片编号占位符 5">
             <a:extLst>
               <a:ext uri="{FF2B5EF4-FFF2-40B4-BE49-F238E27FC236}">
-                <a16:creationId xmlns:a16="http://schemas.microsoft.com/office/drawing/2014/main" id="{32C3A2F5-02B1-9C95-53A2-5F9F819D131A}"/>
+                <a16:creationId xmlns:a16="http://schemas.microsoft.com/office/drawing/2014/main" id="{0951D463-FBAD-9FEE-E8FA-CF374B74D74A}"/>
               </a:ext>
             </a:extLst>
           </p:cNvPr>
@@ -1185,7 +1185,7 @@
           <a:bodyPr/>
           <a:lstStyle/>
           <a:p>
-            <a:fld id="{DBF9F889-BCF9-4AEA-B91F-64EFFD2232BB}" type="slidenum">
+            <a:fld id="{B957BF52-E4AC-4E9E-A73E-5F95D5D38495}" type="slidenum">
               <a:rPr lang="zh-CN" altLang="en-US" smtClean="0"/>
               <a:t>‹#›</a:t>
             </a:fld>
@@ -1196,7 +1196,7 @@
     </p:spTree>
     <p:extLst>
       <p:ext uri="{BB962C8B-B14F-4D97-AF65-F5344CB8AC3E}">
-        <p14:creationId xmlns:p14="http://schemas.microsoft.com/office/powerpoint/2010/main" val="220857152"/>
+        <p14:creationId xmlns:p14="http://schemas.microsoft.com/office/powerpoint/2010/main" val="3261977016"/>
       </p:ext>
     </p:extLst>
   </p:cSld>
@@ -1228,7 +1228,7 @@
           <p:cNvPr id="2" name="标题 1">
             <a:extLst>
               <a:ext uri="{FF2B5EF4-FFF2-40B4-BE49-F238E27FC236}">
-                <a16:creationId xmlns:a16="http://schemas.microsoft.com/office/drawing/2014/main" id="{93B73022-10E2-A83E-B6A8-5CC4DE612149}"/>
+                <a16:creationId xmlns:a16="http://schemas.microsoft.com/office/drawing/2014/main" id="{DE5A155F-B776-921C-034F-EE54B69D499D}"/>
               </a:ext>
             </a:extLst>
           </p:cNvPr>
@@ -1256,7 +1256,7 @@
           <p:cNvPr id="3" name="内容占位符 2">
             <a:extLst>
               <a:ext uri="{FF2B5EF4-FFF2-40B4-BE49-F238E27FC236}">
-                <a16:creationId xmlns:a16="http://schemas.microsoft.com/office/drawing/2014/main" id="{1F0B23AA-A65B-348D-2B85-263A770473F2}"/>
+                <a16:creationId xmlns:a16="http://schemas.microsoft.com/office/drawing/2014/main" id="{203F6BA8-50BF-4C21-E139-05CAEF10CFE0}"/>
               </a:ext>
             </a:extLst>
           </p:cNvPr>
@@ -1318,7 +1318,7 @@
           <p:cNvPr id="4" name="内容占位符 3">
             <a:extLst>
               <a:ext uri="{FF2B5EF4-FFF2-40B4-BE49-F238E27FC236}">
-                <a16:creationId xmlns:a16="http://schemas.microsoft.com/office/drawing/2014/main" id="{9C044D75-0A94-4BE9-522D-1A1BDF6637C3}"/>
+                <a16:creationId xmlns:a16="http://schemas.microsoft.com/office/drawing/2014/main" id="{073E53CA-603C-268F-B20D-61F0CDC7525F}"/>
               </a:ext>
             </a:extLst>
           </p:cNvPr>
@@ -1380,7 +1380,7 @@
           <p:cNvPr id="5" name="日期占位符 4">
             <a:extLst>
               <a:ext uri="{FF2B5EF4-FFF2-40B4-BE49-F238E27FC236}">
-                <a16:creationId xmlns:a16="http://schemas.microsoft.com/office/drawing/2014/main" id="{948299CB-38F4-D8FF-A369-E329D4D6D25C}"/>
+                <a16:creationId xmlns:a16="http://schemas.microsoft.com/office/drawing/2014/main" id="{3ADE054D-85CB-A907-5187-2018A62CF082}"/>
               </a:ext>
             </a:extLst>
           </p:cNvPr>
@@ -1396,7 +1396,7 @@
           <a:bodyPr/>
           <a:lstStyle/>
           <a:p>
-            <a:fld id="{C280C7B8-B12C-4A35-9BBB-DB3F6E1F7662}" type="datetimeFigureOut">
+            <a:fld id="{F4309118-24A6-45C2-8BB5-1FFA3D8ABEFC}" type="datetimeFigureOut">
               <a:rPr lang="zh-CN" altLang="en-US" smtClean="0"/>
               <a:t>2024/3/10</a:t>
             </a:fld>
@@ -1409,7 +1409,7 @@
           <p:cNvPr id="6" name="页脚占位符 5">
             <a:extLst>
               <a:ext uri="{FF2B5EF4-FFF2-40B4-BE49-F238E27FC236}">
-                <a16:creationId xmlns:a16="http://schemas.microsoft.com/office/drawing/2014/main" id="{A52C2C22-5744-BA38-52E0-6AC996C9534F}"/>
+                <a16:creationId xmlns:a16="http://schemas.microsoft.com/office/drawing/2014/main" id="{60DD83B3-8CBC-933E-92E8-C32141551695}"/>
               </a:ext>
             </a:extLst>
           </p:cNvPr>
@@ -1434,7 +1434,7 @@
           <p:cNvPr id="7" name="灯片编号占位符 6">
             <a:extLst>
               <a:ext uri="{FF2B5EF4-FFF2-40B4-BE49-F238E27FC236}">
-                <a16:creationId xmlns:a16="http://schemas.microsoft.com/office/drawing/2014/main" id="{1761144C-1BBC-C3FE-ADAB-5E43357AE42C}"/>
+                <a16:creationId xmlns:a16="http://schemas.microsoft.com/office/drawing/2014/main" id="{964999E8-7464-C97B-7304-1B8DE4233D6F}"/>
               </a:ext>
             </a:extLst>
           </p:cNvPr>
@@ -1450,7 +1450,7 @@
           <a:bodyPr/>
           <a:lstStyle/>
           <a:p>
-            <a:fld id="{DBF9F889-BCF9-4AEA-B91F-64EFFD2232BB}" type="slidenum">
+            <a:fld id="{B957BF52-E4AC-4E9E-A73E-5F95D5D38495}" type="slidenum">
               <a:rPr lang="zh-CN" altLang="en-US" smtClean="0"/>
               <a:t>‹#›</a:t>
             </a:fld>
@@ -1461,7 +1461,7 @@
     </p:spTree>
     <p:extLst>
       <p:ext uri="{BB962C8B-B14F-4D97-AF65-F5344CB8AC3E}">
-        <p14:creationId xmlns:p14="http://schemas.microsoft.com/office/powerpoint/2010/main" val="2105840467"/>
+        <p14:creationId xmlns:p14="http://schemas.microsoft.com/office/powerpoint/2010/main" val="2555399132"/>
       </p:ext>
     </p:extLst>
   </p:cSld>
@@ -1493,7 +1493,7 @@
           <p:cNvPr id="2" name="标题 1">
             <a:extLst>
               <a:ext uri="{FF2B5EF4-FFF2-40B4-BE49-F238E27FC236}">
-                <a16:creationId xmlns:a16="http://schemas.microsoft.com/office/drawing/2014/main" id="{246D8136-E580-AAB9-CAD8-2E1B90CD6EEF}"/>
+                <a16:creationId xmlns:a16="http://schemas.microsoft.com/office/drawing/2014/main" id="{BE022A30-344A-9D91-9B9E-FFC9C9F53C29}"/>
               </a:ext>
             </a:extLst>
           </p:cNvPr>
@@ -1526,7 +1526,7 @@
           <p:cNvPr id="3" name="文本占位符 2">
             <a:extLst>
               <a:ext uri="{FF2B5EF4-FFF2-40B4-BE49-F238E27FC236}">
-                <a16:creationId xmlns:a16="http://schemas.microsoft.com/office/drawing/2014/main" id="{BCCA672E-BAFD-3B01-9DF8-D8BC331891F2}"/>
+                <a16:creationId xmlns:a16="http://schemas.microsoft.com/office/drawing/2014/main" id="{DD205BF6-45B9-2750-8787-66F06D2D6BCA}"/>
               </a:ext>
             </a:extLst>
           </p:cNvPr>
@@ -1597,7 +1597,7 @@
           <p:cNvPr id="4" name="内容占位符 3">
             <a:extLst>
               <a:ext uri="{FF2B5EF4-FFF2-40B4-BE49-F238E27FC236}">
-                <a16:creationId xmlns:a16="http://schemas.microsoft.com/office/drawing/2014/main" id="{3FB4FF8C-E0A4-AD97-4AE3-80D0A8FD7BCA}"/>
+                <a16:creationId xmlns:a16="http://schemas.microsoft.com/office/drawing/2014/main" id="{4B1E9860-4DC0-C6ED-F87E-DBE71C8D16AB}"/>
               </a:ext>
             </a:extLst>
           </p:cNvPr>
@@ -1659,7 +1659,7 @@
           <p:cNvPr id="5" name="文本占位符 4">
             <a:extLst>
               <a:ext uri="{FF2B5EF4-FFF2-40B4-BE49-F238E27FC236}">
-                <a16:creationId xmlns:a16="http://schemas.microsoft.com/office/drawing/2014/main" id="{D08626F3-6AD9-8822-0980-054142EDE06D}"/>
+                <a16:creationId xmlns:a16="http://schemas.microsoft.com/office/drawing/2014/main" id="{9D1B61F3-21BA-0338-9AA6-C1E284F894FD}"/>
               </a:ext>
             </a:extLst>
           </p:cNvPr>
@@ -1730,7 +1730,7 @@
           <p:cNvPr id="6" name="内容占位符 5">
             <a:extLst>
               <a:ext uri="{FF2B5EF4-FFF2-40B4-BE49-F238E27FC236}">
-                <a16:creationId xmlns:a16="http://schemas.microsoft.com/office/drawing/2014/main" id="{8881BF51-AD65-0825-45D8-A619DE7490F9}"/>
+                <a16:creationId xmlns:a16="http://schemas.microsoft.com/office/drawing/2014/main" id="{F851A578-F3D6-FA18-E749-BB4B44410709}"/>
               </a:ext>
             </a:extLst>
           </p:cNvPr>
@@ -1792,7 +1792,7 @@
           <p:cNvPr id="7" name="日期占位符 6">
             <a:extLst>
               <a:ext uri="{FF2B5EF4-FFF2-40B4-BE49-F238E27FC236}">
-                <a16:creationId xmlns:a16="http://schemas.microsoft.com/office/drawing/2014/main" id="{311AF216-C57A-4A96-AB7D-14B56675CAEE}"/>
+                <a16:creationId xmlns:a16="http://schemas.microsoft.com/office/drawing/2014/main" id="{C4259C6F-F10A-FF2D-779C-2B4711E20019}"/>
               </a:ext>
             </a:extLst>
           </p:cNvPr>
@@ -1808,7 +1808,7 @@
           <a:bodyPr/>
           <a:lstStyle/>
           <a:p>
-            <a:fld id="{C280C7B8-B12C-4A35-9BBB-DB3F6E1F7662}" type="datetimeFigureOut">
+            <a:fld id="{F4309118-24A6-45C2-8BB5-1FFA3D8ABEFC}" type="datetimeFigureOut">
               <a:rPr lang="zh-CN" altLang="en-US" smtClean="0"/>
               <a:t>2024/3/10</a:t>
             </a:fld>
@@ -1821,7 +1821,7 @@
           <p:cNvPr id="8" name="页脚占位符 7">
             <a:extLst>
               <a:ext uri="{FF2B5EF4-FFF2-40B4-BE49-F238E27FC236}">
-                <a16:creationId xmlns:a16="http://schemas.microsoft.com/office/drawing/2014/main" id="{1C482111-0418-F203-2D9F-9C585BB9090F}"/>
+                <a16:creationId xmlns:a16="http://schemas.microsoft.com/office/drawing/2014/main" id="{D10B03CB-AE57-D4CE-F04F-D2EF1B49C1AA}"/>
               </a:ext>
             </a:extLst>
           </p:cNvPr>
@@ -1846,7 +1846,7 @@
           <p:cNvPr id="9" name="灯片编号占位符 8">
             <a:extLst>
               <a:ext uri="{FF2B5EF4-FFF2-40B4-BE49-F238E27FC236}">
-                <a16:creationId xmlns:a16="http://schemas.microsoft.com/office/drawing/2014/main" id="{9724DF6B-0C6B-6F98-8324-D35056520B2B}"/>
+                <a16:creationId xmlns:a16="http://schemas.microsoft.com/office/drawing/2014/main" id="{0AE3F8D1-0858-2F15-BA45-3A42BE7487F5}"/>
               </a:ext>
             </a:extLst>
           </p:cNvPr>
@@ -1862,7 +1862,7 @@
           <a:bodyPr/>
           <a:lstStyle/>
           <a:p>
-            <a:fld id="{DBF9F889-BCF9-4AEA-B91F-64EFFD2232BB}" type="slidenum">
+            <a:fld id="{B957BF52-E4AC-4E9E-A73E-5F95D5D38495}" type="slidenum">
               <a:rPr lang="zh-CN" altLang="en-US" smtClean="0"/>
               <a:t>‹#›</a:t>
             </a:fld>
@@ -1873,7 +1873,7 @@
     </p:spTree>
     <p:extLst>
       <p:ext uri="{BB962C8B-B14F-4D97-AF65-F5344CB8AC3E}">
-        <p14:creationId xmlns:p14="http://schemas.microsoft.com/office/powerpoint/2010/main" val="2332124580"/>
+        <p14:creationId xmlns:p14="http://schemas.microsoft.com/office/powerpoint/2010/main" val="804323179"/>
       </p:ext>
     </p:extLst>
   </p:cSld>
@@ -1905,7 +1905,7 @@
           <p:cNvPr id="2" name="标题 1">
             <a:extLst>
               <a:ext uri="{FF2B5EF4-FFF2-40B4-BE49-F238E27FC236}">
-                <a16:creationId xmlns:a16="http://schemas.microsoft.com/office/drawing/2014/main" id="{5C9B8A62-956A-325D-AE4D-B08206E41DCD}"/>
+                <a16:creationId xmlns:a16="http://schemas.microsoft.com/office/drawing/2014/main" id="{3B203491-2B67-E891-B36E-146CCBD4D81E}"/>
               </a:ext>
             </a:extLst>
           </p:cNvPr>
@@ -1933,7 +1933,7 @@
           <p:cNvPr id="3" name="日期占位符 2">
             <a:extLst>
               <a:ext uri="{FF2B5EF4-FFF2-40B4-BE49-F238E27FC236}">
-                <a16:creationId xmlns:a16="http://schemas.microsoft.com/office/drawing/2014/main" id="{24801979-ECFA-485A-16FD-56C7A70BFA6A}"/>
+                <a16:creationId xmlns:a16="http://schemas.microsoft.com/office/drawing/2014/main" id="{0FCB4CC9-9CF8-E40C-3CE6-4A85124F63A0}"/>
               </a:ext>
             </a:extLst>
           </p:cNvPr>
@@ -1949,7 +1949,7 @@
           <a:bodyPr/>
           <a:lstStyle/>
           <a:p>
-            <a:fld id="{C280C7B8-B12C-4A35-9BBB-DB3F6E1F7662}" type="datetimeFigureOut">
+            <a:fld id="{F4309118-24A6-45C2-8BB5-1FFA3D8ABEFC}" type="datetimeFigureOut">
               <a:rPr lang="zh-CN" altLang="en-US" smtClean="0"/>
               <a:t>2024/3/10</a:t>
             </a:fld>
@@ -1962,7 +1962,7 @@
           <p:cNvPr id="4" name="页脚占位符 3">
             <a:extLst>
               <a:ext uri="{FF2B5EF4-FFF2-40B4-BE49-F238E27FC236}">
-                <a16:creationId xmlns:a16="http://schemas.microsoft.com/office/drawing/2014/main" id="{ABF34161-80B7-67BF-C01A-4E7B4131870F}"/>
+                <a16:creationId xmlns:a16="http://schemas.microsoft.com/office/drawing/2014/main" id="{B4C2B6B2-BE3C-C00C-17AE-D37FA66DE1FF}"/>
               </a:ext>
             </a:extLst>
           </p:cNvPr>
@@ -1987,7 +1987,7 @@
           <p:cNvPr id="5" name="灯片编号占位符 4">
             <a:extLst>
               <a:ext uri="{FF2B5EF4-FFF2-40B4-BE49-F238E27FC236}">
-                <a16:creationId xmlns:a16="http://schemas.microsoft.com/office/drawing/2014/main" id="{046311E8-264D-AB07-9F3A-462D4A8CE6FF}"/>
+                <a16:creationId xmlns:a16="http://schemas.microsoft.com/office/drawing/2014/main" id="{EC13AC49-FDD3-4C9A-B8D9-637878EBF186}"/>
               </a:ext>
             </a:extLst>
           </p:cNvPr>
@@ -2003,7 +2003,7 @@
           <a:bodyPr/>
           <a:lstStyle/>
           <a:p>
-            <a:fld id="{DBF9F889-BCF9-4AEA-B91F-64EFFD2232BB}" type="slidenum">
+            <a:fld id="{B957BF52-E4AC-4E9E-A73E-5F95D5D38495}" type="slidenum">
               <a:rPr lang="zh-CN" altLang="en-US" smtClean="0"/>
               <a:t>‹#›</a:t>
             </a:fld>
@@ -2014,7 +2014,7 @@
     </p:spTree>
     <p:extLst>
       <p:ext uri="{BB962C8B-B14F-4D97-AF65-F5344CB8AC3E}">
-        <p14:creationId xmlns:p14="http://schemas.microsoft.com/office/powerpoint/2010/main" val="709775430"/>
+        <p14:creationId xmlns:p14="http://schemas.microsoft.com/office/powerpoint/2010/main" val="1230723721"/>
       </p:ext>
     </p:extLst>
   </p:cSld>
@@ -2046,7 +2046,7 @@
           <p:cNvPr id="2" name="日期占位符 1">
             <a:extLst>
               <a:ext uri="{FF2B5EF4-FFF2-40B4-BE49-F238E27FC236}">
-                <a16:creationId xmlns:a16="http://schemas.microsoft.com/office/drawing/2014/main" id="{F8EA9A51-66D7-2B60-503C-B5C40CAE4CC8}"/>
+                <a16:creationId xmlns:a16="http://schemas.microsoft.com/office/drawing/2014/main" id="{33EA5751-2C29-782C-B761-519761C872DA}"/>
               </a:ext>
             </a:extLst>
           </p:cNvPr>
@@ -2062,7 +2062,7 @@
           <a:bodyPr/>
           <a:lstStyle/>
           <a:p>
-            <a:fld id="{C280C7B8-B12C-4A35-9BBB-DB3F6E1F7662}" type="datetimeFigureOut">
+            <a:fld id="{F4309118-24A6-45C2-8BB5-1FFA3D8ABEFC}" type="datetimeFigureOut">
               <a:rPr lang="zh-CN" altLang="en-US" smtClean="0"/>
               <a:t>2024/3/10</a:t>
             </a:fld>
@@ -2075,7 +2075,7 @@
           <p:cNvPr id="3" name="页脚占位符 2">
             <a:extLst>
               <a:ext uri="{FF2B5EF4-FFF2-40B4-BE49-F238E27FC236}">
-                <a16:creationId xmlns:a16="http://schemas.microsoft.com/office/drawing/2014/main" id="{440326F9-486D-FC50-2DAB-E4495C1327BD}"/>
+                <a16:creationId xmlns:a16="http://schemas.microsoft.com/office/drawing/2014/main" id="{A9560945-AF98-2DA5-F404-BC13128FA477}"/>
               </a:ext>
             </a:extLst>
           </p:cNvPr>
@@ -2100,7 +2100,7 @@
           <p:cNvPr id="4" name="灯片编号占位符 3">
             <a:extLst>
               <a:ext uri="{FF2B5EF4-FFF2-40B4-BE49-F238E27FC236}">
-                <a16:creationId xmlns:a16="http://schemas.microsoft.com/office/drawing/2014/main" id="{BA947FCD-E0F4-A22D-0D44-90B519654160}"/>
+                <a16:creationId xmlns:a16="http://schemas.microsoft.com/office/drawing/2014/main" id="{62197A9B-819F-AFBA-E957-A85792437DAE}"/>
               </a:ext>
             </a:extLst>
           </p:cNvPr>
@@ -2116,7 +2116,7 @@
           <a:bodyPr/>
           <a:lstStyle/>
           <a:p>
-            <a:fld id="{DBF9F889-BCF9-4AEA-B91F-64EFFD2232BB}" type="slidenum">
+            <a:fld id="{B957BF52-E4AC-4E9E-A73E-5F95D5D38495}" type="slidenum">
               <a:rPr lang="zh-CN" altLang="en-US" smtClean="0"/>
               <a:t>‹#›</a:t>
             </a:fld>
@@ -2127,7 +2127,7 @@
     </p:spTree>
     <p:extLst>
       <p:ext uri="{BB962C8B-B14F-4D97-AF65-F5344CB8AC3E}">
-        <p14:creationId xmlns:p14="http://schemas.microsoft.com/office/powerpoint/2010/main" val="4106085573"/>
+        <p14:creationId xmlns:p14="http://schemas.microsoft.com/office/powerpoint/2010/main" val="1436140148"/>
       </p:ext>
     </p:extLst>
   </p:cSld>
@@ -2159,7 +2159,7 @@
           <p:cNvPr id="2" name="标题 1">
             <a:extLst>
               <a:ext uri="{FF2B5EF4-FFF2-40B4-BE49-F238E27FC236}">
-                <a16:creationId xmlns:a16="http://schemas.microsoft.com/office/drawing/2014/main" id="{EC1A1E5B-55B1-FDCB-CED9-D697FA9C2492}"/>
+                <a16:creationId xmlns:a16="http://schemas.microsoft.com/office/drawing/2014/main" id="{80811879-4BF4-AC58-C5F1-F7C661F00949}"/>
               </a:ext>
             </a:extLst>
           </p:cNvPr>
@@ -2196,7 +2196,7 @@
           <p:cNvPr id="3" name="内容占位符 2">
             <a:extLst>
               <a:ext uri="{FF2B5EF4-FFF2-40B4-BE49-F238E27FC236}">
-                <a16:creationId xmlns:a16="http://schemas.microsoft.com/office/drawing/2014/main" id="{4C62AC91-A108-AA41-AB16-C69F046DAE58}"/>
+                <a16:creationId xmlns:a16="http://schemas.microsoft.com/office/drawing/2014/main" id="{D9B9CEB1-23C9-7135-D722-72904F7ABB8B}"/>
               </a:ext>
             </a:extLst>
           </p:cNvPr>
@@ -2286,7 +2286,7 @@
           <p:cNvPr id="4" name="文本占位符 3">
             <a:extLst>
               <a:ext uri="{FF2B5EF4-FFF2-40B4-BE49-F238E27FC236}">
-                <a16:creationId xmlns:a16="http://schemas.microsoft.com/office/drawing/2014/main" id="{CC79514B-3F11-6B0F-E16B-DA92D9877494}"/>
+                <a16:creationId xmlns:a16="http://schemas.microsoft.com/office/drawing/2014/main" id="{A0F182A4-4BF5-6130-CB3F-31152E7D8683}"/>
               </a:ext>
             </a:extLst>
           </p:cNvPr>
@@ -2357,7 +2357,7 @@
           <p:cNvPr id="5" name="日期占位符 4">
             <a:extLst>
               <a:ext uri="{FF2B5EF4-FFF2-40B4-BE49-F238E27FC236}">
-                <a16:creationId xmlns:a16="http://schemas.microsoft.com/office/drawing/2014/main" id="{535AF4D4-AA17-161E-81EE-3417C1006412}"/>
+                <a16:creationId xmlns:a16="http://schemas.microsoft.com/office/drawing/2014/main" id="{C7D79B65-DEEF-F891-A80B-89E902BF2EA8}"/>
               </a:ext>
             </a:extLst>
           </p:cNvPr>
@@ -2373,7 +2373,7 @@
           <a:bodyPr/>
           <a:lstStyle/>
           <a:p>
-            <a:fld id="{C280C7B8-B12C-4A35-9BBB-DB3F6E1F7662}" type="datetimeFigureOut">
+            <a:fld id="{F4309118-24A6-45C2-8BB5-1FFA3D8ABEFC}" type="datetimeFigureOut">
               <a:rPr lang="zh-CN" altLang="en-US" smtClean="0"/>
               <a:t>2024/3/10</a:t>
             </a:fld>
@@ -2386,7 +2386,7 @@
           <p:cNvPr id="6" name="页脚占位符 5">
             <a:extLst>
               <a:ext uri="{FF2B5EF4-FFF2-40B4-BE49-F238E27FC236}">
-                <a16:creationId xmlns:a16="http://schemas.microsoft.com/office/drawing/2014/main" id="{38BD2E96-03E4-38FD-699B-24C840CA3F0A}"/>
+                <a16:creationId xmlns:a16="http://schemas.microsoft.com/office/drawing/2014/main" id="{200E0AED-FE4E-79E1-CAD4-89F1CEB145FD}"/>
               </a:ext>
             </a:extLst>
           </p:cNvPr>
@@ -2411,7 +2411,7 @@
           <p:cNvPr id="7" name="灯片编号占位符 6">
             <a:extLst>
               <a:ext uri="{FF2B5EF4-FFF2-40B4-BE49-F238E27FC236}">
-                <a16:creationId xmlns:a16="http://schemas.microsoft.com/office/drawing/2014/main" id="{BBF297E9-1225-6D4D-86DD-9B64C3ED1524}"/>
+                <a16:creationId xmlns:a16="http://schemas.microsoft.com/office/drawing/2014/main" id="{84B1B7FC-F95C-74CE-AEC5-B77EAEC7714E}"/>
               </a:ext>
             </a:extLst>
           </p:cNvPr>
@@ -2427,7 +2427,7 @@
           <a:bodyPr/>
           <a:lstStyle/>
           <a:p>
-            <a:fld id="{DBF9F889-BCF9-4AEA-B91F-64EFFD2232BB}" type="slidenum">
+            <a:fld id="{B957BF52-E4AC-4E9E-A73E-5F95D5D38495}" type="slidenum">
               <a:rPr lang="zh-CN" altLang="en-US" smtClean="0"/>
               <a:t>‹#›</a:t>
             </a:fld>
@@ -2438,7 +2438,7 @@
     </p:spTree>
     <p:extLst>
       <p:ext uri="{BB962C8B-B14F-4D97-AF65-F5344CB8AC3E}">
-        <p14:creationId xmlns:p14="http://schemas.microsoft.com/office/powerpoint/2010/main" val="1683010120"/>
+        <p14:creationId xmlns:p14="http://schemas.microsoft.com/office/powerpoint/2010/main" val="1863116945"/>
       </p:ext>
     </p:extLst>
   </p:cSld>
@@ -2470,7 +2470,7 @@
           <p:cNvPr id="2" name="标题 1">
             <a:extLst>
               <a:ext uri="{FF2B5EF4-FFF2-40B4-BE49-F238E27FC236}">
-                <a16:creationId xmlns:a16="http://schemas.microsoft.com/office/drawing/2014/main" id="{219C665F-796B-8927-E062-78D5D21F75EB}"/>
+                <a16:creationId xmlns:a16="http://schemas.microsoft.com/office/drawing/2014/main" id="{ECE5A1B5-4277-B065-0D99-8137124095CC}"/>
               </a:ext>
             </a:extLst>
           </p:cNvPr>
@@ -2507,7 +2507,7 @@
           <p:cNvPr id="3" name="图片占位符 2">
             <a:extLst>
               <a:ext uri="{FF2B5EF4-FFF2-40B4-BE49-F238E27FC236}">
-                <a16:creationId xmlns:a16="http://schemas.microsoft.com/office/drawing/2014/main" id="{76FB4E19-5305-479B-6112-9565852AE40D}"/>
+                <a16:creationId xmlns:a16="http://schemas.microsoft.com/office/drawing/2014/main" id="{C39315A4-27FD-9569-15FA-0670DFEB02D9}"/>
               </a:ext>
             </a:extLst>
           </p:cNvPr>
@@ -2574,7 +2574,7 @@
           <p:cNvPr id="4" name="文本占位符 3">
             <a:extLst>
               <a:ext uri="{FF2B5EF4-FFF2-40B4-BE49-F238E27FC236}">
-                <a16:creationId xmlns:a16="http://schemas.microsoft.com/office/drawing/2014/main" id="{29DD1E7E-8CE6-01DC-CD21-06D3BFEFB37F}"/>
+                <a16:creationId xmlns:a16="http://schemas.microsoft.com/office/drawing/2014/main" id="{E69652B5-AFE6-ABF9-61E8-494C0C552F08}"/>
               </a:ext>
             </a:extLst>
           </p:cNvPr>
@@ -2645,7 +2645,7 @@
           <p:cNvPr id="5" name="日期占位符 4">
             <a:extLst>
               <a:ext uri="{FF2B5EF4-FFF2-40B4-BE49-F238E27FC236}">
-                <a16:creationId xmlns:a16="http://schemas.microsoft.com/office/drawing/2014/main" id="{1A720C4C-D36A-9AC2-BA00-50F3A4C439CB}"/>
+                <a16:creationId xmlns:a16="http://schemas.microsoft.com/office/drawing/2014/main" id="{4E426F5A-264B-62E0-0408-726F8EF4396F}"/>
               </a:ext>
             </a:extLst>
           </p:cNvPr>
@@ -2661,7 +2661,7 @@
           <a:bodyPr/>
           <a:lstStyle/>
           <a:p>
-            <a:fld id="{C280C7B8-B12C-4A35-9BBB-DB3F6E1F7662}" type="datetimeFigureOut">
+            <a:fld id="{F4309118-24A6-45C2-8BB5-1FFA3D8ABEFC}" type="datetimeFigureOut">
               <a:rPr lang="zh-CN" altLang="en-US" smtClean="0"/>
               <a:t>2024/3/10</a:t>
             </a:fld>
@@ -2674,7 +2674,7 @@
           <p:cNvPr id="6" name="页脚占位符 5">
             <a:extLst>
               <a:ext uri="{FF2B5EF4-FFF2-40B4-BE49-F238E27FC236}">
-                <a16:creationId xmlns:a16="http://schemas.microsoft.com/office/drawing/2014/main" id="{18691996-C4B0-25AC-AFEC-DAE5FD2C70C3}"/>
+                <a16:creationId xmlns:a16="http://schemas.microsoft.com/office/drawing/2014/main" id="{2D68F84E-A585-4520-1FDB-4444B546573A}"/>
               </a:ext>
             </a:extLst>
           </p:cNvPr>
@@ -2699,7 +2699,7 @@
           <p:cNvPr id="7" name="灯片编号占位符 6">
             <a:extLst>
               <a:ext uri="{FF2B5EF4-FFF2-40B4-BE49-F238E27FC236}">
-                <a16:creationId xmlns:a16="http://schemas.microsoft.com/office/drawing/2014/main" id="{97CA89B1-B466-FE29-80A2-C45BCC5E514C}"/>
+                <a16:creationId xmlns:a16="http://schemas.microsoft.com/office/drawing/2014/main" id="{86E78025-CB1F-6713-4640-42721A83F2E2}"/>
               </a:ext>
             </a:extLst>
           </p:cNvPr>
@@ -2715,7 +2715,7 @@
           <a:bodyPr/>
           <a:lstStyle/>
           <a:p>
-            <a:fld id="{DBF9F889-BCF9-4AEA-B91F-64EFFD2232BB}" type="slidenum">
+            <a:fld id="{B957BF52-E4AC-4E9E-A73E-5F95D5D38495}" type="slidenum">
               <a:rPr lang="zh-CN" altLang="en-US" smtClean="0"/>
               <a:t>‹#›</a:t>
             </a:fld>
@@ -2726,7 +2726,7 @@
     </p:spTree>
     <p:extLst>
       <p:ext uri="{BB962C8B-B14F-4D97-AF65-F5344CB8AC3E}">
-        <p14:creationId xmlns:p14="http://schemas.microsoft.com/office/powerpoint/2010/main" val="1634114895"/>
+        <p14:creationId xmlns:p14="http://schemas.microsoft.com/office/powerpoint/2010/main" val="3755470196"/>
       </p:ext>
     </p:extLst>
   </p:cSld>
@@ -2763,7 +2763,7 @@
           <p:cNvPr id="2" name="标题占位符 1">
             <a:extLst>
               <a:ext uri="{FF2B5EF4-FFF2-40B4-BE49-F238E27FC236}">
-                <a16:creationId xmlns:a16="http://schemas.microsoft.com/office/drawing/2014/main" id="{95E82144-B312-9FA8-3CB2-A2E8AE46AE12}"/>
+                <a16:creationId xmlns:a16="http://schemas.microsoft.com/office/drawing/2014/main" id="{E8FECF9C-8B2C-8F0D-568E-1E29DEC05ADF}"/>
               </a:ext>
             </a:extLst>
           </p:cNvPr>
@@ -2801,7 +2801,7 @@
           <p:cNvPr id="3" name="文本占位符 2">
             <a:extLst>
               <a:ext uri="{FF2B5EF4-FFF2-40B4-BE49-F238E27FC236}">
-                <a16:creationId xmlns:a16="http://schemas.microsoft.com/office/drawing/2014/main" id="{69596AF0-990D-13C7-9D5B-AC551966D7EB}"/>
+                <a16:creationId xmlns:a16="http://schemas.microsoft.com/office/drawing/2014/main" id="{108D6921-FBA9-E4EF-666F-C72A40D13282}"/>
               </a:ext>
             </a:extLst>
           </p:cNvPr>
@@ -2868,7 +2868,7 @@
           <p:cNvPr id="4" name="日期占位符 3">
             <a:extLst>
               <a:ext uri="{FF2B5EF4-FFF2-40B4-BE49-F238E27FC236}">
-                <a16:creationId xmlns:a16="http://schemas.microsoft.com/office/drawing/2014/main" id="{CE7F627A-5A2C-2291-210A-5466F2E3D40C}"/>
+                <a16:creationId xmlns:a16="http://schemas.microsoft.com/office/drawing/2014/main" id="{E0EFD916-272E-E716-24D6-E063787F584C}"/>
               </a:ext>
             </a:extLst>
           </p:cNvPr>
@@ -2902,7 +2902,7 @@
             </a:lvl1pPr>
           </a:lstStyle>
           <a:p>
-            <a:fld id="{C280C7B8-B12C-4A35-9BBB-DB3F6E1F7662}" type="datetimeFigureOut">
+            <a:fld id="{F4309118-24A6-45C2-8BB5-1FFA3D8ABEFC}" type="datetimeFigureOut">
               <a:rPr lang="zh-CN" altLang="en-US" smtClean="0"/>
               <a:t>2024/3/10</a:t>
             </a:fld>
@@ -2915,7 +2915,7 @@
           <p:cNvPr id="5" name="页脚占位符 4">
             <a:extLst>
               <a:ext uri="{FF2B5EF4-FFF2-40B4-BE49-F238E27FC236}">
-                <a16:creationId xmlns:a16="http://schemas.microsoft.com/office/drawing/2014/main" id="{DB609888-D26F-046E-F115-03162CD37CCE}"/>
+                <a16:creationId xmlns:a16="http://schemas.microsoft.com/office/drawing/2014/main" id="{AA13CB51-38FA-6F04-FF0E-7E3E55B22B1B}"/>
               </a:ext>
             </a:extLst>
           </p:cNvPr>
@@ -2958,7 +2958,7 @@
           <p:cNvPr id="6" name="灯片编号占位符 5">
             <a:extLst>
               <a:ext uri="{FF2B5EF4-FFF2-40B4-BE49-F238E27FC236}">
-                <a16:creationId xmlns:a16="http://schemas.microsoft.com/office/drawing/2014/main" id="{E3165B47-07BD-6FF4-3AEE-8EB7563A5F68}"/>
+                <a16:creationId xmlns:a16="http://schemas.microsoft.com/office/drawing/2014/main" id="{CEB97D59-8F3F-7E19-7236-704345DB86C6}"/>
               </a:ext>
             </a:extLst>
           </p:cNvPr>
@@ -2992,7 +2992,7 @@
             </a:lvl1pPr>
           </a:lstStyle>
           <a:p>
-            <a:fld id="{DBF9F889-BCF9-4AEA-B91F-64EFFD2232BB}" type="slidenum">
+            <a:fld id="{B957BF52-E4AC-4E9E-A73E-5F95D5D38495}" type="slidenum">
               <a:rPr lang="zh-CN" altLang="en-US" smtClean="0"/>
               <a:t>‹#›</a:t>
             </a:fld>
@@ -3003,7 +3003,7 @@
     </p:spTree>
     <p:extLst>
       <p:ext uri="{BB962C8B-B14F-4D97-AF65-F5344CB8AC3E}">
-        <p14:creationId xmlns:p14="http://schemas.microsoft.com/office/powerpoint/2010/main" val="3281769517"/>
+        <p14:creationId xmlns:p14="http://schemas.microsoft.com/office/powerpoint/2010/main" val="4156507998"/>
       </p:ext>
     </p:extLst>
   </p:cSld>
@@ -3323,7 +3323,7 @@
       </p:grpSpPr>
       <p:pic>
         <p:nvPicPr>
-          <p:cNvPr id="761858" name="Picture 2" descr="743"/>
+          <p:cNvPr id="762882" name="Picture 2" descr="744"/>
           <p:cNvPicPr>
             <a:picLocks noChangeAspect="1" noChangeArrowheads="1"/>
           </p:cNvPicPr>
@@ -3375,158 +3375,11 @@
           </a:extLst>
         </p:spPr>
       </p:pic>
-      <p:pic>
-        <p:nvPicPr>
-          <p:cNvPr id="762883" name="Picture 3" descr="743-2"/>
-          <p:cNvPicPr>
-            <a:picLocks noChangeAspect="1" noChangeArrowheads="1"/>
-          </p:cNvPicPr>
-          <p:nvPr/>
-        </p:nvPicPr>
-        <p:blipFill>
-          <a:blip r:embed="rId3">
-            <a:extLst>
-              <a:ext uri="{28A0092B-C50C-407E-A947-70E740481C1C}">
-                <a14:useLocalDpi xmlns:a14="http://schemas.microsoft.com/office/drawing/2010/main" val="0"/>
-              </a:ext>
-            </a:extLst>
-          </a:blip>
-          <a:srcRect/>
-          <a:stretch>
-            <a:fillRect/>
-          </a:stretch>
-        </p:blipFill>
-        <p:spPr bwMode="auto">
-          <a:xfrm>
-            <a:off x="1524000" y="0"/>
-            <a:ext cx="9144000" cy="6858000"/>
-          </a:xfrm>
-          <a:prstGeom prst="rect">
-            <a:avLst/>
-          </a:prstGeom>
-          <a:noFill/>
-          <a:ln>
-            <a:noFill/>
-          </a:ln>
-          <a:effectLst/>
-          <a:extLst>
-            <a:ext uri="{909E8E84-426E-40DD-AFC4-6F175D3DCCD1}">
-              <a14:hiddenFill xmlns:a14="http://schemas.microsoft.com/office/drawing/2010/main">
-                <a:solidFill>
-                  <a:srgbClr val="FFFFFF"/>
-                </a:solidFill>
-              </a14:hiddenFill>
-            </a:ext>
-            <a:ext uri="{91240B29-F687-4F45-9708-019B960494DF}">
-              <a14:hiddenLine xmlns:a14="http://schemas.microsoft.com/office/drawing/2010/main" w="9525">
-                <a:solidFill>
-                  <a:srgbClr val="000000"/>
-                </a:solidFill>
-                <a:miter lim="800000"/>
-                <a:headEnd/>
-                <a:tailEnd/>
-              </a14:hiddenLine>
-            </a:ext>
-            <a:ext uri="{AF507438-7753-43E0-B8FC-AC1667EBCBE1}">
-              <a14:hiddenEffects xmlns:a14="http://schemas.microsoft.com/office/drawing/2010/main">
-                <a:effectLst>
-                  <a:outerShdw dist="35921" dir="2700000" algn="ctr" rotWithShape="0">
-                    <a:srgbClr val="808080"/>
-                  </a:outerShdw>
-                </a:effectLst>
-              </a14:hiddenEffects>
-            </a:ext>
-          </a:extLst>
-        </p:spPr>
-      </p:pic>
     </p:spTree>
   </p:cSld>
   <p:clrMapOvr>
     <a:masterClrMapping/>
   </p:clrMapOvr>
-  <p:timing>
-    <p:tnLst>
-      <p:par>
-        <p:cTn id="1" dur="indefinite" restart="never" nodeType="tmRoot">
-          <p:childTnLst>
-            <p:seq concurrent="1" nextAc="seek">
-              <p:cTn id="2" dur="indefinite" nodeType="mainSeq">
-                <p:childTnLst>
-                  <p:par>
-                    <p:cTn id="3" fill="hold" nodeType="clickPar">
-                      <p:stCondLst>
-                        <p:cond delay="indefinite"/>
-                      </p:stCondLst>
-                      <p:childTnLst>
-                        <p:par>
-                          <p:cTn id="4" fill="hold" nodeType="withGroup">
-                            <p:stCondLst>
-                              <p:cond delay="0"/>
-                            </p:stCondLst>
-                            <p:childTnLst>
-                              <p:par>
-                                <p:cTn id="5" presetID="10" presetClass="entr" presetSubtype="0" fill="hold" nodeType="clickEffect">
-                                  <p:stCondLst>
-                                    <p:cond delay="0"/>
-                                  </p:stCondLst>
-                                  <p:childTnLst>
-                                    <p:set>
-                                      <p:cBhvr>
-                                        <p:cTn id="6" dur="1" fill="hold">
-                                          <p:stCondLst>
-                                            <p:cond delay="0"/>
-                                          </p:stCondLst>
-                                        </p:cTn>
-                                        <p:tgtEl>
-                                          <p:spTgt spid="762883"/>
-                                        </p:tgtEl>
-                                        <p:attrNameLst>
-                                          <p:attrName>style.visibility</p:attrName>
-                                        </p:attrNameLst>
-                                      </p:cBhvr>
-                                      <p:to>
-                                        <p:strVal val="visible"/>
-                                      </p:to>
-                                    </p:set>
-                                    <p:animEffect transition="in" filter="fade">
-                                      <p:cBhvr>
-                                        <p:cTn id="7" dur="500"/>
-                                        <p:tgtEl>
-                                          <p:spTgt spid="762883"/>
-                                        </p:tgtEl>
-                                      </p:cBhvr>
-                                    </p:animEffect>
-                                  </p:childTnLst>
-                                </p:cTn>
-                              </p:par>
-                            </p:childTnLst>
-                          </p:cTn>
-                        </p:par>
-                      </p:childTnLst>
-                    </p:cTn>
-                  </p:par>
-                </p:childTnLst>
-              </p:cTn>
-              <p:prevCondLst>
-                <p:cond evt="onPrev" delay="0">
-                  <p:tgtEl>
-                    <p:sldTgt/>
-                  </p:tgtEl>
-                </p:cond>
-              </p:prevCondLst>
-              <p:nextCondLst>
-                <p:cond evt="onNext" delay="0">
-                  <p:tgtEl>
-                    <p:sldTgt/>
-                  </p:tgtEl>
-                </p:cond>
-              </p:nextCondLst>
-            </p:seq>
-          </p:childTnLst>
-        </p:cTn>
-      </p:par>
-    </p:tnLst>
-  </p:timing>
 </p:sld>
 </file>
 
